--- a/Intro2021.pptx
+++ b/Intro2021.pptx
@@ -144,33 +144,6 @@
           <inkml:channelProperty channel="F" name="resolution" value="0" units="1/dev"/>
         </inkml:channelProperties>
       </inkml:inkSource>
-      <inkml:timestamp xml:id="ts0" timeString="2020-02-04T17:01:05.224"/>
-    </inkml:context>
-    <inkml:brush xml:id="br0">
-      <inkml:brushProperty name="width" value="0.05" units="cm"/>
-      <inkml:brushProperty name="height" value="0.05" units="cm"/>
-    </inkml:brush>
-  </inkml:definitions>
-  <inkml:trace contextRef="#ctx0" brushRef="#br0">171 2 176,'-171'-2'0</inkml:trace>
-</inkml:ink>
-</file>
-
-<file path=ppt/ink/ink2.xml><?xml version="1.0" encoding="utf-8"?>
-<inkml:ink xmlns:inkml="http://www.w3.org/2003/InkML">
-  <inkml:definitions>
-    <inkml:context xml:id="ctx0">
-      <inkml:inkSource xml:id="inkSrc0">
-        <inkml:traceFormat>
-          <inkml:channel name="X" type="integer" min="-2.14748E9" max="2.14748E9" units="cm"/>
-          <inkml:channel name="Y" type="integer" min="-2.14748E9" max="2.14748E9" units="cm"/>
-          <inkml:channel name="F" type="integer" max="32767" units="dev"/>
-        </inkml:traceFormat>
-        <inkml:channelProperties>
-          <inkml:channelProperty channel="X" name="resolution" value="1000" units="1/cm"/>
-          <inkml:channelProperty channel="Y" name="resolution" value="1000" units="1/cm"/>
-          <inkml:channelProperty channel="F" name="resolution" value="0" units="1/dev"/>
-        </inkml:channelProperties>
-      </inkml:inkSource>
       <inkml:timestamp xml:id="ts0" timeString="2020-02-04T17:01:49.845"/>
     </inkml:context>
     <inkml:brush xml:id="br0">
@@ -184,7 +157,7 @@
 </inkml:ink>
 </file>
 
-<file path=ppt/ink/ink3.xml><?xml version="1.0" encoding="utf-8"?>
+<file path=ppt/ink/ink2.xml><?xml version="1.0" encoding="utf-8"?>
 <inkml:ink xmlns:inkml="http://www.w3.org/2003/InkML">
   <inkml:definitions>
     <inkml:context xml:id="ctx0">
@@ -374,7 +347,7 @@
           <a:p>
             <a:fld id="{ABAC5236-3BDF-42A9-AE76-02C1AEBCE1B3}" type="datetimeFigureOut">
               <a:rPr lang="ru-RU" smtClean="0"/>
-              <a:t>30.01.2021</a:t>
+              <a:t>31.01.2021</a:t>
             </a:fld>
             <a:endParaRPr lang="ru-RU" dirty="0"/>
           </a:p>
@@ -695,7 +668,7 @@
           <a:p>
             <a:fld id="{ABAC5236-3BDF-42A9-AE76-02C1AEBCE1B3}" type="datetimeFigureOut">
               <a:rPr lang="ru-RU" smtClean="0"/>
-              <a:t>30.01.2021</a:t>
+              <a:t>31.01.2021</a:t>
             </a:fld>
             <a:endParaRPr lang="ru-RU" dirty="0"/>
           </a:p>
@@ -933,7 +906,7 @@
           <a:p>
             <a:fld id="{ABAC5236-3BDF-42A9-AE76-02C1AEBCE1B3}" type="datetimeFigureOut">
               <a:rPr lang="ru-RU" smtClean="0"/>
-              <a:t>30.01.2021</a:t>
+              <a:t>31.01.2021</a:t>
             </a:fld>
             <a:endParaRPr lang="ru-RU" dirty="0"/>
           </a:p>
@@ -1171,7 +1144,7 @@
           <a:p>
             <a:fld id="{ABAC5236-3BDF-42A9-AE76-02C1AEBCE1B3}" type="datetimeFigureOut">
               <a:rPr lang="ru-RU" smtClean="0"/>
-              <a:t>30.01.2021</a:t>
+              <a:t>31.01.2021</a:t>
             </a:fld>
             <a:endParaRPr lang="ru-RU" dirty="0"/>
           </a:p>
@@ -1407,7 +1380,7 @@
           <a:p>
             <a:fld id="{68E4D121-1E19-4D23-B31A-F0145DB74399}" type="datetimeFigureOut">
               <a:rPr lang="ru-RU" smtClean="0"/>
-              <a:t>30.01.2021</a:t>
+              <a:t>31.01.2021</a:t>
             </a:fld>
             <a:endParaRPr lang="ru-RU"/>
           </a:p>
@@ -1605,7 +1578,7 @@
           <a:p>
             <a:fld id="{68E4D121-1E19-4D23-B31A-F0145DB74399}" type="datetimeFigureOut">
               <a:rPr lang="ru-RU" smtClean="0"/>
-              <a:t>30.01.2021</a:t>
+              <a:t>31.01.2021</a:t>
             </a:fld>
             <a:endParaRPr lang="ru-RU"/>
           </a:p>
@@ -1880,7 +1853,7 @@
           <a:p>
             <a:fld id="{68E4D121-1E19-4D23-B31A-F0145DB74399}" type="datetimeFigureOut">
               <a:rPr lang="ru-RU" smtClean="0"/>
-              <a:t>30.01.2021</a:t>
+              <a:t>31.01.2021</a:t>
             </a:fld>
             <a:endParaRPr lang="ru-RU"/>
           </a:p>
@@ -2145,7 +2118,7 @@
           <a:p>
             <a:fld id="{68E4D121-1E19-4D23-B31A-F0145DB74399}" type="datetimeFigureOut">
               <a:rPr lang="ru-RU" smtClean="0"/>
-              <a:t>30.01.2021</a:t>
+              <a:t>31.01.2021</a:t>
             </a:fld>
             <a:endParaRPr lang="ru-RU"/>
           </a:p>
@@ -2557,7 +2530,7 @@
           <a:p>
             <a:fld id="{68E4D121-1E19-4D23-B31A-F0145DB74399}" type="datetimeFigureOut">
               <a:rPr lang="ru-RU" smtClean="0"/>
-              <a:t>30.01.2021</a:t>
+              <a:t>31.01.2021</a:t>
             </a:fld>
             <a:endParaRPr lang="ru-RU"/>
           </a:p>
@@ -2698,7 +2671,7 @@
           <a:p>
             <a:fld id="{68E4D121-1E19-4D23-B31A-F0145DB74399}" type="datetimeFigureOut">
               <a:rPr lang="ru-RU" smtClean="0"/>
-              <a:t>30.01.2021</a:t>
+              <a:t>31.01.2021</a:t>
             </a:fld>
             <a:endParaRPr lang="ru-RU"/>
           </a:p>
@@ -2811,7 +2784,7 @@
           <a:p>
             <a:fld id="{68E4D121-1E19-4D23-B31A-F0145DB74399}" type="datetimeFigureOut">
               <a:rPr lang="ru-RU" smtClean="0"/>
-              <a:t>30.01.2021</a:t>
+              <a:t>31.01.2021</a:t>
             </a:fld>
             <a:endParaRPr lang="ru-RU"/>
           </a:p>
@@ -3033,7 +3006,7 @@
           <a:p>
             <a:fld id="{ABAC5236-3BDF-42A9-AE76-02C1AEBCE1B3}" type="datetimeFigureOut">
               <a:rPr lang="ru-RU" smtClean="0"/>
-              <a:t>30.01.2021</a:t>
+              <a:t>31.01.2021</a:t>
             </a:fld>
             <a:endParaRPr lang="ru-RU" dirty="0"/>
           </a:p>
@@ -3360,7 +3333,7 @@
           <a:p>
             <a:fld id="{68E4D121-1E19-4D23-B31A-F0145DB74399}" type="datetimeFigureOut">
               <a:rPr lang="ru-RU" smtClean="0"/>
-              <a:t>30.01.2021</a:t>
+              <a:t>31.01.2021</a:t>
             </a:fld>
             <a:endParaRPr lang="ru-RU"/>
           </a:p>
@@ -3648,7 +3621,7 @@
           <a:p>
             <a:fld id="{68E4D121-1E19-4D23-B31A-F0145DB74399}" type="datetimeFigureOut">
               <a:rPr lang="ru-RU" smtClean="0"/>
-              <a:t>30.01.2021</a:t>
+              <a:t>31.01.2021</a:t>
             </a:fld>
             <a:endParaRPr lang="ru-RU"/>
           </a:p>
@@ -3846,7 +3819,7 @@
           <a:p>
             <a:fld id="{68E4D121-1E19-4D23-B31A-F0145DB74399}" type="datetimeFigureOut">
               <a:rPr lang="ru-RU" smtClean="0"/>
-              <a:t>30.01.2021</a:t>
+              <a:t>31.01.2021</a:t>
             </a:fld>
             <a:endParaRPr lang="ru-RU"/>
           </a:p>
@@ -4054,7 +4027,7 @@
           <a:p>
             <a:fld id="{68E4D121-1E19-4D23-B31A-F0145DB74399}" type="datetimeFigureOut">
               <a:rPr lang="ru-RU" smtClean="0"/>
-              <a:t>30.01.2021</a:t>
+              <a:t>31.01.2021</a:t>
             </a:fld>
             <a:endParaRPr lang="ru-RU"/>
           </a:p>
@@ -4343,7 +4316,7 @@
           <a:p>
             <a:fld id="{ABAC5236-3BDF-42A9-AE76-02C1AEBCE1B3}" type="datetimeFigureOut">
               <a:rPr lang="ru-RU" smtClean="0"/>
-              <a:t>30.01.2021</a:t>
+              <a:t>31.01.2021</a:t>
             </a:fld>
             <a:endParaRPr lang="ru-RU" dirty="0"/>
           </a:p>
@@ -4646,7 +4619,7 @@
           <a:p>
             <a:fld id="{ABAC5236-3BDF-42A9-AE76-02C1AEBCE1B3}" type="datetimeFigureOut">
               <a:rPr lang="ru-RU" smtClean="0"/>
-              <a:t>30.01.2021</a:t>
+              <a:t>31.01.2021</a:t>
             </a:fld>
             <a:endParaRPr lang="ru-RU" dirty="0"/>
           </a:p>
@@ -5097,7 +5070,7 @@
           <a:p>
             <a:fld id="{ABAC5236-3BDF-42A9-AE76-02C1AEBCE1B3}" type="datetimeFigureOut">
               <a:rPr lang="ru-RU" smtClean="0"/>
-              <a:t>30.01.2021</a:t>
+              <a:t>31.01.2021</a:t>
             </a:fld>
             <a:endParaRPr lang="ru-RU" dirty="0"/>
           </a:p>
@@ -5270,7 +5243,7 @@
           <a:p>
             <a:fld id="{ABAC5236-3BDF-42A9-AE76-02C1AEBCE1B3}" type="datetimeFigureOut">
               <a:rPr lang="ru-RU" smtClean="0"/>
-              <a:t>30.01.2021</a:t>
+              <a:t>31.01.2021</a:t>
             </a:fld>
             <a:endParaRPr lang="ru-RU" dirty="0"/>
           </a:p>
@@ -5519,7 +5492,7 @@
           <a:p>
             <a:fld id="{ABAC5236-3BDF-42A9-AE76-02C1AEBCE1B3}" type="datetimeFigureOut">
               <a:rPr lang="ru-RU" smtClean="0"/>
-              <a:t>30.01.2021</a:t>
+              <a:t>31.01.2021</a:t>
             </a:fld>
             <a:endParaRPr lang="ru-RU" dirty="0"/>
           </a:p>
@@ -5863,7 +5836,7 @@
           <a:p>
             <a:fld id="{ABAC5236-3BDF-42A9-AE76-02C1AEBCE1B3}" type="datetimeFigureOut">
               <a:rPr lang="ru-RU" smtClean="0"/>
-              <a:t>30.01.2021</a:t>
+              <a:t>31.01.2021</a:t>
             </a:fld>
             <a:endParaRPr lang="ru-RU" dirty="0"/>
           </a:p>
@@ -6493,7 +6466,7 @@
           <a:p>
             <a:fld id="{68E4D121-1E19-4D23-B31A-F0145DB74399}" type="datetimeFigureOut">
               <a:rPr lang="ru-RU" smtClean="0"/>
-              <a:t>30.01.2021</a:t>
+              <a:t>31.01.2021</a:t>
             </a:fld>
             <a:endParaRPr lang="ru-RU"/>
           </a:p>
@@ -7274,60 +7247,9 @@
           </a:p>
         </p:txBody>
       </p:sp>
-      <mc:AlternateContent xmlns:mc="http://schemas.openxmlformats.org/markup-compatibility/2006" xmlns:p14="http://schemas.microsoft.com/office/powerpoint/2010/main">
-        <mc:Choice Requires="p14">
-          <p:contentPart p14:bwMode="auto" r:id="rId4">
-            <p14:nvContentPartPr>
-              <p14:cNvPr id="2" name="Рукописный ввод 1">
-                <a:extLst>
-                  <a:ext uri="{FF2B5EF4-FFF2-40B4-BE49-F238E27FC236}">
-                    <a16:creationId xmlns:a16="http://schemas.microsoft.com/office/drawing/2014/main" id="{1985361D-7D9F-4E53-940D-DD5C92854C72}"/>
-                  </a:ext>
-                </a:extLst>
-              </p14:cNvPr>
-              <p14:cNvContentPartPr/>
-              <p14:nvPr/>
-            </p14:nvContentPartPr>
-            <p14:xfrm>
-              <a:off x="2078592" y="4562151"/>
-              <a:ext cx="61560" cy="1080"/>
-            </p14:xfrm>
-          </p:contentPart>
-        </mc:Choice>
-        <mc:Fallback xmlns="">
-          <p:pic>
-            <p:nvPicPr>
-              <p:cNvPr id="2" name="Рукописный ввод 1">
-                <a:extLst>
-                  <a:ext uri="{FF2B5EF4-FFF2-40B4-BE49-F238E27FC236}">
-                    <a16:creationId xmlns:a16="http://schemas.microsoft.com/office/drawing/2014/main" id="{1985361D-7D9F-4E53-940D-DD5C92854C72}"/>
-                  </a:ext>
-                </a:extLst>
-              </p:cNvPr>
-              <p:cNvPicPr/>
-              <p:nvPr/>
-            </p:nvPicPr>
-            <p:blipFill>
-              <a:blip r:embed="rId5"/>
-              <a:stretch>
-                <a:fillRect/>
-              </a:stretch>
-            </p:blipFill>
-            <p:spPr>
-              <a:xfrm>
-                <a:off x="2069592" y="4553151"/>
-                <a:ext cx="79200" cy="18720"/>
-              </a:xfrm>
-              <a:prstGeom prst="rect">
-                <a:avLst/>
-              </a:prstGeom>
-            </p:spPr>
-          </p:pic>
-        </mc:Fallback>
-      </mc:AlternateContent>
       <mc:AlternateContent xmlns:mc="http://schemas.openxmlformats.org/markup-compatibility/2006" xmlns:p14="http://schemas.microsoft.com/office/powerpoint/2010/main" xmlns:aink="http://schemas.microsoft.com/office/drawing/2016/ink">
         <mc:Choice Requires="p14 aink">
-          <p:contentPart p14:bwMode="auto" r:id="rId6">
+          <p:contentPart p14:bwMode="auto" r:id="rId4">
             <p14:nvContentPartPr>
               <p14:cNvPr id="9" name="Рукописный ввод 8">
                 <a:extLst>
